--- a/Textbook/Figures/Chapter4/fig_attached_vortex1.pptx
+++ b/Textbook/Figures/Chapter4/fig_attached_vortex1.pptx
@@ -243,7 +243,7 @@
           <a:p>
             <a:fld id="{A8F48D5B-9275-4A08-B238-9C7CECCD580A}" type="datetimeFigureOut">
               <a:rPr lang="en-US" smtClean="0"/>
-              <a:t>6/30/2022</a:t>
+              <a:t>10/11/2022</a:t>
             </a:fld>
             <a:endParaRPr lang="en-US"/>
           </a:p>
@@ -413,7 +413,7 @@
           <a:p>
             <a:fld id="{A8F48D5B-9275-4A08-B238-9C7CECCD580A}" type="datetimeFigureOut">
               <a:rPr lang="en-US" smtClean="0"/>
-              <a:t>6/30/2022</a:t>
+              <a:t>10/11/2022</a:t>
             </a:fld>
             <a:endParaRPr lang="en-US"/>
           </a:p>
@@ -593,7 +593,7 @@
           <a:p>
             <a:fld id="{A8F48D5B-9275-4A08-B238-9C7CECCD580A}" type="datetimeFigureOut">
               <a:rPr lang="en-US" smtClean="0"/>
-              <a:t>6/30/2022</a:t>
+              <a:t>10/11/2022</a:t>
             </a:fld>
             <a:endParaRPr lang="en-US"/>
           </a:p>
@@ -763,7 +763,7 @@
           <a:p>
             <a:fld id="{A8F48D5B-9275-4A08-B238-9C7CECCD580A}" type="datetimeFigureOut">
               <a:rPr lang="en-US" smtClean="0"/>
-              <a:t>6/30/2022</a:t>
+              <a:t>10/11/2022</a:t>
             </a:fld>
             <a:endParaRPr lang="en-US"/>
           </a:p>
@@ -1007,7 +1007,7 @@
           <a:p>
             <a:fld id="{A8F48D5B-9275-4A08-B238-9C7CECCD580A}" type="datetimeFigureOut">
               <a:rPr lang="en-US" smtClean="0"/>
-              <a:t>6/30/2022</a:t>
+              <a:t>10/11/2022</a:t>
             </a:fld>
             <a:endParaRPr lang="en-US"/>
           </a:p>
@@ -1239,7 +1239,7 @@
           <a:p>
             <a:fld id="{A8F48D5B-9275-4A08-B238-9C7CECCD580A}" type="datetimeFigureOut">
               <a:rPr lang="en-US" smtClean="0"/>
-              <a:t>6/30/2022</a:t>
+              <a:t>10/11/2022</a:t>
             </a:fld>
             <a:endParaRPr lang="en-US"/>
           </a:p>
@@ -1606,7 +1606,7 @@
           <a:p>
             <a:fld id="{A8F48D5B-9275-4A08-B238-9C7CECCD580A}" type="datetimeFigureOut">
               <a:rPr lang="en-US" smtClean="0"/>
-              <a:t>6/30/2022</a:t>
+              <a:t>10/11/2022</a:t>
             </a:fld>
             <a:endParaRPr lang="en-US"/>
           </a:p>
@@ -1724,7 +1724,7 @@
           <a:p>
             <a:fld id="{A8F48D5B-9275-4A08-B238-9C7CECCD580A}" type="datetimeFigureOut">
               <a:rPr lang="en-US" smtClean="0"/>
-              <a:t>6/30/2022</a:t>
+              <a:t>10/11/2022</a:t>
             </a:fld>
             <a:endParaRPr lang="en-US"/>
           </a:p>
@@ -1819,7 +1819,7 @@
           <a:p>
             <a:fld id="{A8F48D5B-9275-4A08-B238-9C7CECCD580A}" type="datetimeFigureOut">
               <a:rPr lang="en-US" smtClean="0"/>
-              <a:t>6/30/2022</a:t>
+              <a:t>10/11/2022</a:t>
             </a:fld>
             <a:endParaRPr lang="en-US"/>
           </a:p>
@@ -2096,7 +2096,7 @@
           <a:p>
             <a:fld id="{A8F48D5B-9275-4A08-B238-9C7CECCD580A}" type="datetimeFigureOut">
               <a:rPr lang="en-US" smtClean="0"/>
-              <a:t>6/30/2022</a:t>
+              <a:t>10/11/2022</a:t>
             </a:fld>
             <a:endParaRPr lang="en-US"/>
           </a:p>
@@ -2353,7 +2353,7 @@
           <a:p>
             <a:fld id="{A8F48D5B-9275-4A08-B238-9C7CECCD580A}" type="datetimeFigureOut">
               <a:rPr lang="en-US" smtClean="0"/>
-              <a:t>6/30/2022</a:t>
+              <a:t>10/11/2022</a:t>
             </a:fld>
             <a:endParaRPr lang="en-US"/>
           </a:p>
@@ -2566,7 +2566,7 @@
           <a:p>
             <a:fld id="{A8F48D5B-9275-4A08-B238-9C7CECCD580A}" type="datetimeFigureOut">
               <a:rPr lang="en-US" smtClean="0"/>
-              <a:t>6/30/2022</a:t>
+              <a:t>10/11/2022</a:t>
             </a:fld>
             <a:endParaRPr lang="en-US"/>
           </a:p>
@@ -3436,10 +3436,10 @@
               </a:path>
             </a:pathLst>
           </a:custGeom>
-          <a:ln w="9525">
+          <a:ln w="12700">
             <a:solidFill>
               <a:schemeClr val="bg1">
-                <a:lumMod val="85000"/>
+                <a:lumMod val="65000"/>
               </a:schemeClr>
             </a:solidFill>
           </a:ln>
@@ -3686,10 +3686,10 @@
               </a:path>
             </a:pathLst>
           </a:custGeom>
-          <a:ln w="9525">
+          <a:ln w="12700">
             <a:solidFill>
               <a:schemeClr val="bg1">
-                <a:lumMod val="85000"/>
+                <a:lumMod val="65000"/>
               </a:schemeClr>
             </a:solidFill>
           </a:ln>
@@ -3984,10 +3984,10 @@
               </a:path>
             </a:pathLst>
           </a:custGeom>
-          <a:ln w="9525">
+          <a:ln w="12700">
             <a:solidFill>
               <a:schemeClr val="bg1">
-                <a:lumMod val="85000"/>
+                <a:lumMod val="65000"/>
               </a:schemeClr>
             </a:solidFill>
           </a:ln>
@@ -4128,10 +4128,10 @@
             </a:pathLst>
           </a:custGeom>
           <a:noFill/>
-          <a:ln>
+          <a:ln w="12700">
             <a:solidFill>
               <a:schemeClr val="bg1">
-                <a:lumMod val="85000"/>
+                <a:lumMod val="65000"/>
               </a:schemeClr>
             </a:solidFill>
           </a:ln>
@@ -4238,10 +4238,10 @@
             </a:pathLst>
           </a:custGeom>
           <a:noFill/>
-          <a:ln>
+          <a:ln w="12700">
             <a:solidFill>
               <a:schemeClr val="bg1">
-                <a:lumMod val="85000"/>
+                <a:lumMod val="65000"/>
               </a:schemeClr>
             </a:solidFill>
           </a:ln>
@@ -4348,10 +4348,10 @@
             </a:pathLst>
           </a:custGeom>
           <a:noFill/>
-          <a:ln>
+          <a:ln w="12700">
             <a:solidFill>
               <a:schemeClr val="bg1">
-                <a:lumMod val="85000"/>
+                <a:lumMod val="65000"/>
               </a:schemeClr>
             </a:solidFill>
           </a:ln>
@@ -4492,10 +4492,10 @@
               </a:path>
             </a:pathLst>
           </a:custGeom>
-          <a:ln w="9525">
+          <a:ln w="12700">
             <a:solidFill>
               <a:schemeClr val="bg1">
-                <a:lumMod val="85000"/>
+                <a:lumMod val="65000"/>
               </a:schemeClr>
             </a:solidFill>
           </a:ln>
@@ -4742,10 +4742,10 @@
               </a:path>
             </a:pathLst>
           </a:custGeom>
-          <a:ln w="9525">
+          <a:ln w="12700">
             <a:solidFill>
               <a:schemeClr val="bg1">
-                <a:lumMod val="85000"/>
+                <a:lumMod val="65000"/>
               </a:schemeClr>
             </a:solidFill>
           </a:ln>
@@ -5040,10 +5040,10 @@
               </a:path>
             </a:pathLst>
           </a:custGeom>
-          <a:ln w="9525">
+          <a:ln w="12700">
             <a:solidFill>
               <a:schemeClr val="bg1">
-                <a:lumMod val="85000"/>
+                <a:lumMod val="65000"/>
               </a:schemeClr>
             </a:solidFill>
           </a:ln>
@@ -5148,10 +5148,10 @@
             </a:pathLst>
           </a:custGeom>
           <a:noFill/>
-          <a:ln>
+          <a:ln w="12700">
             <a:solidFill>
               <a:schemeClr val="bg1">
-                <a:lumMod val="85000"/>
+                <a:lumMod val="65000"/>
               </a:schemeClr>
             </a:solidFill>
           </a:ln>
@@ -5258,10 +5258,10 @@
             </a:pathLst>
           </a:custGeom>
           <a:noFill/>
-          <a:ln>
+          <a:ln w="12700">
             <a:solidFill>
               <a:schemeClr val="bg1">
-                <a:lumMod val="85000"/>
+                <a:lumMod val="65000"/>
               </a:schemeClr>
             </a:solidFill>
           </a:ln>
@@ -5368,10 +5368,10 @@
             </a:pathLst>
           </a:custGeom>
           <a:noFill/>
-          <a:ln>
+          <a:ln w="12700">
             <a:solidFill>
               <a:schemeClr val="bg1">
-                <a:lumMod val="85000"/>
+                <a:lumMod val="65000"/>
               </a:schemeClr>
             </a:solidFill>
           </a:ln>
